--- a/NET ASYNC PROGRAMMING (1.pptx
+++ b/NET ASYNC PROGRAMMING (1.pptx
@@ -3993,7 +3993,6 @@
               <a:rPr lang="en-US" dirty="0" smtClean="0"/>
               <a:t>, </a:t>
             </a:r>
-            <a:endParaRPr lang="en-US" dirty="0" smtClean="0"/>
           </a:p>
           <a:p>
             <a:r>
@@ -5530,11 +5529,25 @@
           </a:p>
           <a:p>
             <a:r>
-              <a:rPr lang="en-US" dirty="0" err="1" smtClean="0"/>
+              <a:rPr lang="en-US" dirty="0" err="1" smtClean="0">
+                <a:solidFill>
+                  <a:schemeClr val="accent3">
+                    <a:lumMod val="60000"/>
+                    <a:lumOff val="40000"/>
+                  </a:schemeClr>
+                </a:solidFill>
+              </a:rPr>
               <a:t>CounddownEvent</a:t>
             </a:r>
             <a:r>
-              <a:rPr lang="en-US" dirty="0" smtClean="0"/>
+              <a:rPr lang="en-US" dirty="0" smtClean="0">
+                <a:solidFill>
+                  <a:schemeClr val="accent3">
+                    <a:lumMod val="60000"/>
+                    <a:lumOff val="40000"/>
+                  </a:schemeClr>
+                </a:solidFill>
+              </a:rPr>
               <a:t> and Barrier(.NET 4.0)</a:t>
             </a:r>
           </a:p>
